--- a/Session_3/Terraform_Handson_Lab.pptx
+++ b/Session_3/Terraform_Handson_Lab.pptx
@@ -9,6 +9,7 @@
     <p:sldId id="258" r:id="rId3"/>
     <p:sldId id="259" r:id="rId4"/>
     <p:sldId id="260" r:id="rId5"/>
+    <p:sldId id="261" r:id="rId6"/>
   </p:sldIdLst>
   <p:sldSz cx="9144000" cy="6858000" type="screen4x3"/>
   <p:notesSz cx="6858000" cy="9144000"/>
@@ -107,6 +108,22 @@
       </a:defRPr>
     </a:lvl9pPr>
   </p:defaultTextStyle>
+  <p:extLst>
+    <p:ext uri="{EFAFB233-063F-42B5-8137-9DF3F51BA10A}">
+      <p15:sldGuideLst xmlns:p15="http://schemas.microsoft.com/office/powerpoint/2012/main">
+        <p15:guide id="1" orient="horz" pos="2160">
+          <p15:clr>
+            <a:srgbClr val="A4A3A4"/>
+          </p15:clr>
+        </p15:guide>
+        <p15:guide id="2" pos="2880">
+          <p15:clr>
+            <a:srgbClr val="A4A3A4"/>
+          </p15:clr>
+        </p15:guide>
+      </p15:sldGuideLst>
+    </p:ext>
+  </p:extLst>
 </p:presentation>
 </file>
 
@@ -238,14 +255,12 @@
         <p:spPr/>
         <p:txBody>
           <a:bodyPr/>
-          <a:lstStyle>
-            <a:extLst/>
-          </a:lstStyle>
+          <a:lstStyle/>
           <a:p>
             <a:fld id="{A6DA2F18-A48D-4F4E-9713-3765A785EE1B}" type="datetimeFigureOut">
               <a:rPr lang="en-US" smtClean="0"/>
               <a:pPr/>
-              <a:t>4/27/2017</a:t>
+              <a:t>4/28/2017</a:t>
             </a:fld>
             <a:endParaRPr lang="en-US"/>
           </a:p>
@@ -264,9 +279,7 @@
         <p:spPr/>
         <p:txBody>
           <a:bodyPr/>
-          <a:lstStyle>
-            <a:extLst/>
-          </a:lstStyle>
+          <a:lstStyle/>
           <a:p>
             <a:endParaRPr lang="en-US"/>
           </a:p>
@@ -285,9 +298,7 @@
         <p:spPr/>
         <p:txBody>
           <a:bodyPr/>
-          <a:lstStyle>
-            <a:extLst/>
-          </a:lstStyle>
+          <a:lstStyle/>
           <a:p>
             <a:fld id="{CE126543-FC11-47B8-BE0D-652D85C270D8}" type="slidenum">
               <a:rPr lang="en-US" smtClean="0"/>
@@ -376,9 +387,7 @@
         </p:style>
         <p:txBody>
           <a:bodyPr anchor="ctr"/>
-          <a:lstStyle>
-            <a:extLst/>
-          </a:lstStyle>
+          <a:lstStyle/>
           <a:p>
             <a:pPr algn="ctr" eaLnBrk="1" latinLnBrk="0" hangingPunct="1"/>
             <a:endParaRPr kumimoji="0" lang="en-US"/>
@@ -427,9 +436,7 @@
         </p:style>
         <p:txBody>
           <a:bodyPr anchor="ctr"/>
-          <a:lstStyle>
-            <a:extLst/>
-          </a:lstStyle>
+          <a:lstStyle/>
           <a:p>
             <a:pPr algn="ctr" eaLnBrk="1" latinLnBrk="0" hangingPunct="1"/>
             <a:endParaRPr kumimoji="0" lang="en-US"/>
@@ -474,9 +481,7 @@
         <p:spPr/>
         <p:txBody>
           <a:bodyPr/>
-          <a:lstStyle>
-            <a:extLst/>
-          </a:lstStyle>
+          <a:lstStyle/>
           <a:p>
             <a:r>
               <a:rPr kumimoji="0" lang="en-US" smtClean="0"/>
@@ -499,9 +504,7 @@
         <p:spPr/>
         <p:txBody>
           <a:bodyPr vert="eaVert"/>
-          <a:lstStyle>
-            <a:extLst/>
-          </a:lstStyle>
+          <a:lstStyle/>
           <a:p>
             <a:pPr lvl="0" eaLnBrk="1" latinLnBrk="0" hangingPunct="1"/>
             <a:r>
@@ -553,14 +556,12 @@
         <p:spPr/>
         <p:txBody>
           <a:bodyPr/>
-          <a:lstStyle>
-            <a:extLst/>
-          </a:lstStyle>
+          <a:lstStyle/>
           <a:p>
             <a:fld id="{A6DA2F18-A48D-4F4E-9713-3765A785EE1B}" type="datetimeFigureOut">
               <a:rPr lang="en-US" smtClean="0"/>
               <a:pPr/>
-              <a:t>4/27/2017</a:t>
+              <a:t>4/28/2017</a:t>
             </a:fld>
             <a:endParaRPr lang="en-US"/>
           </a:p>
@@ -579,9 +580,7 @@
         <p:spPr/>
         <p:txBody>
           <a:bodyPr/>
-          <a:lstStyle>
-            <a:extLst/>
-          </a:lstStyle>
+          <a:lstStyle/>
           <a:p>
             <a:endParaRPr lang="en-US"/>
           </a:p>
@@ -600,9 +599,7 @@
         <p:spPr/>
         <p:txBody>
           <a:bodyPr/>
-          <a:lstStyle>
-            <a:extLst/>
-          </a:lstStyle>
+          <a:lstStyle/>
           <a:p>
             <a:fld id="{CE126543-FC11-47B8-BE0D-652D85C270D8}" type="slidenum">
               <a:rPr lang="en-US" smtClean="0"/>
@@ -656,9 +653,7 @@
         </p:spPr>
         <p:txBody>
           <a:bodyPr vert="eaVert"/>
-          <a:lstStyle>
-            <a:extLst/>
-          </a:lstStyle>
+          <a:lstStyle/>
           <a:p>
             <a:r>
               <a:rPr kumimoji="0" lang="en-US" smtClean="0"/>
@@ -686,9 +681,7 @@
         </p:spPr>
         <p:txBody>
           <a:bodyPr vert="eaVert"/>
-          <a:lstStyle>
-            <a:extLst/>
-          </a:lstStyle>
+          <a:lstStyle/>
           <a:p>
             <a:pPr lvl="0" eaLnBrk="1" latinLnBrk="0" hangingPunct="1"/>
             <a:r>
@@ -740,14 +733,12 @@
         <p:spPr/>
         <p:txBody>
           <a:bodyPr/>
-          <a:lstStyle>
-            <a:extLst/>
-          </a:lstStyle>
+          <a:lstStyle/>
           <a:p>
             <a:fld id="{A6DA2F18-A48D-4F4E-9713-3765A785EE1B}" type="datetimeFigureOut">
               <a:rPr lang="en-US" smtClean="0"/>
               <a:pPr/>
-              <a:t>4/27/2017</a:t>
+              <a:t>4/28/2017</a:t>
             </a:fld>
             <a:endParaRPr lang="en-US"/>
           </a:p>
@@ -766,9 +757,7 @@
         <p:spPr/>
         <p:txBody>
           <a:bodyPr/>
-          <a:lstStyle>
-            <a:extLst/>
-          </a:lstStyle>
+          <a:lstStyle/>
           <a:p>
             <a:endParaRPr lang="en-US"/>
           </a:p>
@@ -787,9 +776,7 @@
         <p:spPr/>
         <p:txBody>
           <a:bodyPr/>
-          <a:lstStyle>
-            <a:extLst/>
-          </a:lstStyle>
+          <a:lstStyle/>
           <a:p>
             <a:fld id="{CE126543-FC11-47B8-BE0D-652D85C270D8}" type="slidenum">
               <a:rPr lang="en-US" smtClean="0"/>
@@ -838,9 +825,7 @@
         <p:spPr/>
         <p:txBody>
           <a:bodyPr/>
-          <a:lstStyle>
-            <a:extLst/>
-          </a:lstStyle>
+          <a:lstStyle/>
           <a:p>
             <a:r>
               <a:rPr kumimoji="0" lang="en-US" smtClean="0"/>
@@ -863,9 +848,7 @@
         <p:spPr/>
         <p:txBody>
           <a:bodyPr/>
-          <a:lstStyle>
-            <a:extLst/>
-          </a:lstStyle>
+          <a:lstStyle/>
           <a:p>
             <a:pPr lvl="0" eaLnBrk="1" latinLnBrk="0" hangingPunct="1"/>
             <a:r>
@@ -917,14 +900,12 @@
         <p:spPr/>
         <p:txBody>
           <a:bodyPr/>
-          <a:lstStyle>
-            <a:extLst/>
-          </a:lstStyle>
+          <a:lstStyle/>
           <a:p>
             <a:fld id="{A6DA2F18-A48D-4F4E-9713-3765A785EE1B}" type="datetimeFigureOut">
               <a:rPr lang="en-US" smtClean="0"/>
               <a:pPr/>
-              <a:t>4/27/2017</a:t>
+              <a:t>4/28/2017</a:t>
             </a:fld>
             <a:endParaRPr lang="en-US"/>
           </a:p>
@@ -943,9 +924,7 @@
         <p:spPr/>
         <p:txBody>
           <a:bodyPr/>
-          <a:lstStyle>
-            <a:extLst/>
-          </a:lstStyle>
+          <a:lstStyle/>
           <a:p>
             <a:endParaRPr lang="en-US"/>
           </a:p>
@@ -964,9 +943,7 @@
         <p:spPr/>
         <p:txBody>
           <a:bodyPr/>
-          <a:lstStyle>
-            <a:extLst/>
-          </a:lstStyle>
+          <a:lstStyle/>
           <a:p>
             <a:fld id="{CE126543-FC11-47B8-BE0D-652D85C270D8}" type="slidenum">
               <a:rPr lang="en-US" smtClean="0"/>
@@ -1041,9 +1018,7 @@
         </p:style>
         <p:txBody>
           <a:bodyPr anchor="ctr"/>
-          <a:lstStyle>
-            <a:extLst/>
-          </a:lstStyle>
+          <a:lstStyle/>
           <a:p>
             <a:pPr algn="ctr" eaLnBrk="1" latinLnBrk="0" hangingPunct="1"/>
             <a:endParaRPr kumimoji="0" lang="en-US"/>
@@ -1187,14 +1162,12 @@
         <p:spPr/>
         <p:txBody>
           <a:bodyPr/>
-          <a:lstStyle>
-            <a:extLst/>
-          </a:lstStyle>
+          <a:lstStyle/>
           <a:p>
             <a:fld id="{A6DA2F18-A48D-4F4E-9713-3765A785EE1B}" type="datetimeFigureOut">
               <a:rPr lang="en-US" smtClean="0"/>
               <a:pPr/>
-              <a:t>4/27/2017</a:t>
+              <a:t>4/28/2017</a:t>
             </a:fld>
             <a:endParaRPr lang="en-US"/>
           </a:p>
@@ -1213,9 +1186,7 @@
         <p:spPr/>
         <p:txBody>
           <a:bodyPr/>
-          <a:lstStyle>
-            <a:extLst/>
-          </a:lstStyle>
+          <a:lstStyle/>
           <a:p>
             <a:endParaRPr lang="en-US"/>
           </a:p>
@@ -1234,9 +1205,7 @@
         <p:spPr/>
         <p:txBody>
           <a:bodyPr/>
-          <a:lstStyle>
-            <a:extLst/>
-          </a:lstStyle>
+          <a:lstStyle/>
           <a:p>
             <a:fld id="{CE126543-FC11-47B8-BE0D-652D85C270D8}" type="slidenum">
               <a:rPr lang="en-US" smtClean="0"/>
@@ -1294,9 +1263,7 @@
         </p:style>
         <p:txBody>
           <a:bodyPr anchor="ctr"/>
-          <a:lstStyle>
-            <a:extLst/>
-          </a:lstStyle>
+          <a:lstStyle/>
           <a:p>
             <a:pPr algn="ctr" eaLnBrk="1" latinLnBrk="0" hangingPunct="1"/>
             <a:endParaRPr kumimoji="0" lang="en-US"/>
@@ -1381,9 +1348,7 @@
         </p:style>
         <p:txBody>
           <a:bodyPr anchor="ctr"/>
-          <a:lstStyle>
-            <a:extLst/>
-          </a:lstStyle>
+          <a:lstStyle/>
           <a:p>
             <a:pPr algn="ctr" eaLnBrk="1" latinLnBrk="0" hangingPunct="1"/>
             <a:endParaRPr kumimoji="0" lang="en-US"/>
@@ -1432,9 +1397,7 @@
         </p:style>
         <p:txBody>
           <a:bodyPr anchor="ctr"/>
-          <a:lstStyle>
-            <a:extLst/>
-          </a:lstStyle>
+          <a:lstStyle/>
           <a:p>
             <a:pPr algn="ctr" eaLnBrk="1" latinLnBrk="0" hangingPunct="1"/>
             <a:endParaRPr kumimoji="0" lang="en-US"/>
@@ -1484,9 +1447,7 @@
         </p:spPr>
         <p:txBody>
           <a:bodyPr/>
-          <a:lstStyle>
-            <a:extLst/>
-          </a:lstStyle>
+          <a:lstStyle/>
           <a:p>
             <a:r>
               <a:rPr kumimoji="0" lang="en-US" smtClean="0"/>
@@ -1657,14 +1618,12 @@
         <p:spPr/>
         <p:txBody>
           <a:bodyPr/>
-          <a:lstStyle>
-            <a:extLst/>
-          </a:lstStyle>
+          <a:lstStyle/>
           <a:p>
             <a:fld id="{A6DA2F18-A48D-4F4E-9713-3765A785EE1B}" type="datetimeFigureOut">
               <a:rPr lang="en-US" smtClean="0"/>
               <a:pPr/>
-              <a:t>4/27/2017</a:t>
+              <a:t>4/28/2017</a:t>
             </a:fld>
             <a:endParaRPr lang="en-US"/>
           </a:p>
@@ -1683,9 +1642,7 @@
         <p:spPr/>
         <p:txBody>
           <a:bodyPr/>
-          <a:lstStyle>
-            <a:extLst/>
-          </a:lstStyle>
+          <a:lstStyle/>
           <a:p>
             <a:endParaRPr lang="en-US"/>
           </a:p>
@@ -1704,9 +1661,7 @@
         <p:spPr/>
         <p:txBody>
           <a:bodyPr/>
-          <a:lstStyle>
-            <a:extLst/>
-          </a:lstStyle>
+          <a:lstStyle/>
           <a:p>
             <a:fld id="{CE126543-FC11-47B8-BE0D-652D85C270D8}" type="slidenum">
               <a:rPr lang="en-US" smtClean="0"/>
@@ -2148,14 +2103,12 @@
         <p:spPr/>
         <p:txBody>
           <a:bodyPr/>
-          <a:lstStyle>
-            <a:extLst/>
-          </a:lstStyle>
+          <a:lstStyle/>
           <a:p>
             <a:fld id="{A6DA2F18-A48D-4F4E-9713-3765A785EE1B}" type="datetimeFigureOut">
               <a:rPr lang="en-US" smtClean="0"/>
               <a:pPr/>
-              <a:t>4/27/2017</a:t>
+              <a:t>4/28/2017</a:t>
             </a:fld>
             <a:endParaRPr lang="en-US"/>
           </a:p>
@@ -2174,9 +2127,7 @@
         <p:spPr/>
         <p:txBody>
           <a:bodyPr/>
-          <a:lstStyle>
-            <a:extLst/>
-          </a:lstStyle>
+          <a:lstStyle/>
           <a:p>
             <a:endParaRPr lang="en-US"/>
           </a:p>
@@ -2195,9 +2146,7 @@
         <p:spPr/>
         <p:txBody>
           <a:bodyPr/>
-          <a:lstStyle>
-            <a:extLst/>
-          </a:lstStyle>
+          <a:lstStyle/>
           <a:p>
             <a:fld id="{CE126543-FC11-47B8-BE0D-652D85C270D8}" type="slidenum">
               <a:rPr lang="en-US" smtClean="0"/>
@@ -2251,9 +2200,7 @@
         </p:spPr>
         <p:txBody>
           <a:bodyPr anchor="ctr"/>
-          <a:lstStyle>
-            <a:extLst/>
-          </a:lstStyle>
+          <a:lstStyle/>
           <a:p>
             <a:r>
               <a:rPr kumimoji="0" lang="en-US" smtClean="0"/>
@@ -2276,14 +2223,12 @@
         <p:spPr/>
         <p:txBody>
           <a:bodyPr/>
-          <a:lstStyle>
-            <a:extLst/>
-          </a:lstStyle>
+          <a:lstStyle/>
           <a:p>
             <a:fld id="{A6DA2F18-A48D-4F4E-9713-3765A785EE1B}" type="datetimeFigureOut">
               <a:rPr lang="en-US" smtClean="0"/>
               <a:pPr/>
-              <a:t>4/27/2017</a:t>
+              <a:t>4/28/2017</a:t>
             </a:fld>
             <a:endParaRPr lang="en-US"/>
           </a:p>
@@ -2302,9 +2247,7 @@
         <p:spPr/>
         <p:txBody>
           <a:bodyPr/>
-          <a:lstStyle>
-            <a:extLst/>
-          </a:lstStyle>
+          <a:lstStyle/>
           <a:p>
             <a:endParaRPr lang="en-US"/>
           </a:p>
@@ -2323,9 +2266,7 @@
         <p:spPr/>
         <p:txBody>
           <a:bodyPr/>
-          <a:lstStyle>
-            <a:extLst/>
-          </a:lstStyle>
+          <a:lstStyle/>
           <a:p>
             <a:fld id="{CE126543-FC11-47B8-BE0D-652D85C270D8}" type="slidenum">
               <a:rPr lang="en-US" smtClean="0"/>
@@ -2400,9 +2341,7 @@
         </p:style>
         <p:txBody>
           <a:bodyPr anchor="ctr"/>
-          <a:lstStyle>
-            <a:extLst/>
-          </a:lstStyle>
+          <a:lstStyle/>
           <a:p>
             <a:pPr algn="ctr" eaLnBrk="1" latinLnBrk="0" hangingPunct="1"/>
             <a:endParaRPr kumimoji="0" lang="en-US"/>
@@ -2422,14 +2361,12 @@
         <p:spPr/>
         <p:txBody>
           <a:bodyPr/>
-          <a:lstStyle>
-            <a:extLst/>
-          </a:lstStyle>
+          <a:lstStyle/>
           <a:p>
             <a:fld id="{A6DA2F18-A48D-4F4E-9713-3765A785EE1B}" type="datetimeFigureOut">
               <a:rPr lang="en-US" smtClean="0"/>
               <a:pPr/>
-              <a:t>4/27/2017</a:t>
+              <a:t>4/28/2017</a:t>
             </a:fld>
             <a:endParaRPr lang="en-US"/>
           </a:p>
@@ -2448,9 +2385,7 @@
         <p:spPr/>
         <p:txBody>
           <a:bodyPr/>
-          <a:lstStyle>
-            <a:extLst/>
-          </a:lstStyle>
+          <a:lstStyle/>
           <a:p>
             <a:endParaRPr lang="en-US"/>
           </a:p>
@@ -2469,9 +2404,7 @@
         <p:spPr/>
         <p:txBody>
           <a:bodyPr/>
-          <a:lstStyle>
-            <a:extLst/>
-          </a:lstStyle>
+          <a:lstStyle/>
           <a:p>
             <a:fld id="{CE126543-FC11-47B8-BE0D-652D85C270D8}" type="slidenum">
               <a:rPr lang="en-US" smtClean="0"/>
@@ -2529,9 +2462,7 @@
         </p:style>
         <p:txBody>
           <a:bodyPr anchor="ctr"/>
-          <a:lstStyle>
-            <a:extLst/>
-          </a:lstStyle>
+          <a:lstStyle/>
           <a:p>
             <a:pPr algn="ctr" eaLnBrk="1" latinLnBrk="0" hangingPunct="1"/>
             <a:endParaRPr kumimoji="0" lang="en-US"/>
@@ -2746,14 +2677,12 @@
         <p:spPr/>
         <p:txBody>
           <a:bodyPr/>
-          <a:lstStyle>
-            <a:extLst/>
-          </a:lstStyle>
+          <a:lstStyle/>
           <a:p>
             <a:fld id="{A6DA2F18-A48D-4F4E-9713-3765A785EE1B}" type="datetimeFigureOut">
               <a:rPr lang="en-US" smtClean="0"/>
               <a:pPr/>
-              <a:t>4/27/2017</a:t>
+              <a:t>4/28/2017</a:t>
             </a:fld>
             <a:endParaRPr lang="en-US"/>
           </a:p>
@@ -2772,9 +2701,7 @@
         <p:spPr/>
         <p:txBody>
           <a:bodyPr/>
-          <a:lstStyle>
-            <a:extLst/>
-          </a:lstStyle>
+          <a:lstStyle/>
           <a:p>
             <a:endParaRPr lang="en-US"/>
           </a:p>
@@ -2793,9 +2720,7 @@
         <p:spPr/>
         <p:txBody>
           <a:bodyPr/>
-          <a:lstStyle>
-            <a:extLst/>
-          </a:lstStyle>
+          <a:lstStyle/>
           <a:p>
             <a:fld id="{CE126543-FC11-47B8-BE0D-652D85C270D8}" type="slidenum">
               <a:rPr lang="en-US" smtClean="0"/>
@@ -2882,14 +2807,12 @@
         <p:spPr/>
         <p:txBody>
           <a:bodyPr/>
-          <a:lstStyle>
-            <a:extLst/>
-          </a:lstStyle>
+          <a:lstStyle/>
           <a:p>
             <a:fld id="{A6DA2F18-A48D-4F4E-9713-3765A785EE1B}" type="datetimeFigureOut">
               <a:rPr lang="en-US" smtClean="0"/>
               <a:pPr/>
-              <a:t>4/27/2017</a:t>
+              <a:t>4/28/2017</a:t>
             </a:fld>
             <a:endParaRPr lang="en-US"/>
           </a:p>
@@ -2908,9 +2831,7 @@
         <p:spPr/>
         <p:txBody>
           <a:bodyPr/>
-          <a:lstStyle>
-            <a:extLst/>
-          </a:lstStyle>
+          <a:lstStyle/>
           <a:p>
             <a:endParaRPr lang="en-US"/>
           </a:p>
@@ -2929,9 +2850,7 @@
         <p:spPr/>
         <p:txBody>
           <a:bodyPr/>
-          <a:lstStyle>
-            <a:extLst/>
-          </a:lstStyle>
+          <a:lstStyle/>
           <a:p>
             <a:fld id="{CE126543-FC11-47B8-BE0D-652D85C270D8}" type="slidenum">
               <a:rPr lang="en-US" smtClean="0"/>
@@ -2989,9 +2908,7 @@
           <a:bodyPr lIns="91440" tIns="274320" rtlCol="0" anchor="t">
             <a:normAutofit/>
           </a:bodyPr>
-          <a:lstStyle>
-            <a:extLst/>
-          </a:lstStyle>
+          <a:lstStyle/>
           <a:p>
             <a:pPr marL="0" indent="-283464" algn="l" rtl="0" eaLnBrk="1" latinLnBrk="0" hangingPunct="1">
               <a:lnSpc>
@@ -3119,9 +3036,7 @@
         </p:style>
         <p:txBody>
           <a:bodyPr anchor="ctr"/>
-          <a:lstStyle>
-            <a:extLst/>
-          </a:lstStyle>
+          <a:lstStyle/>
           <a:p>
             <a:pPr algn="ctr" eaLnBrk="1" latinLnBrk="0" hangingPunct="1"/>
             <a:endParaRPr kumimoji="0" lang="en-US"/>
@@ -3179,9 +3094,7 @@
         </p:style>
         <p:txBody>
           <a:bodyPr anchor="ctr"/>
-          <a:lstStyle>
-            <a:extLst/>
-          </a:lstStyle>
+          <a:lstStyle/>
           <a:p>
             <a:pPr algn="ctr" eaLnBrk="1" latinLnBrk="0" hangingPunct="1"/>
             <a:endParaRPr kumimoji="0" lang="en-US" dirty="0"/>
@@ -3326,9 +3239,7 @@
         </p:style>
         <p:txBody>
           <a:bodyPr anchor="ctr"/>
-          <a:lstStyle>
-            <a:extLst/>
-          </a:lstStyle>
+          <a:lstStyle/>
           <a:p>
             <a:pPr algn="ctr" eaLnBrk="1" latinLnBrk="0" hangingPunct="1"/>
             <a:endParaRPr kumimoji="0" lang="en-US"/>
@@ -3386,9 +3297,7 @@
         </p:style>
         <p:txBody>
           <a:bodyPr anchor="ctr"/>
-          <a:lstStyle>
-            <a:extLst/>
-          </a:lstStyle>
+          <a:lstStyle/>
           <a:p>
             <a:pPr algn="ctr" eaLnBrk="1" latinLnBrk="0" hangingPunct="1"/>
             <a:endParaRPr kumimoji="0" lang="en-US"/>
@@ -3478,9 +3387,7 @@
         </p:style>
         <p:txBody>
           <a:bodyPr anchor="ctr"/>
-          <a:lstStyle>
-            <a:extLst/>
-          </a:lstStyle>
+          <a:lstStyle/>
           <a:p>
             <a:pPr algn="ctr" eaLnBrk="1" latinLnBrk="0" hangingPunct="1"/>
             <a:endParaRPr kumimoji="0" lang="en-US"/>
@@ -3526,9 +3433,7 @@
         </p:style>
         <p:txBody>
           <a:bodyPr anchor="ctr"/>
-          <a:lstStyle>
-            <a:extLst/>
-          </a:lstStyle>
+          <a:lstStyle/>
           <a:p>
             <a:pPr algn="ctr" eaLnBrk="1" latinLnBrk="0" hangingPunct="1"/>
             <a:endParaRPr kumimoji="0" lang="en-US"/>
@@ -3558,9 +3463,7 @@
           <a:bodyPr anchor="ctr">
             <a:normAutofit/>
           </a:bodyPr>
-          <a:lstStyle>
-            <a:extLst/>
-          </a:lstStyle>
+          <a:lstStyle/>
           <a:p>
             <a:r>
               <a:rPr kumimoji="0" lang="en-US" smtClean="0"/>
@@ -3593,9 +3496,7 @@
           <a:bodyPr>
             <a:normAutofit/>
           </a:bodyPr>
-          <a:lstStyle>
-            <a:extLst/>
-          </a:lstStyle>
+          <a:lstStyle/>
           <a:p>
             <a:pPr lvl="0" eaLnBrk="1" latinLnBrk="0" hangingPunct="1"/>
             <a:r>
@@ -3672,7 +3573,7 @@
             <a:fld id="{A6DA2F18-A48D-4F4E-9713-3765A785EE1B}" type="datetimeFigureOut">
               <a:rPr lang="en-US" smtClean="0"/>
               <a:pPr/>
-              <a:t>4/27/2017</a:t>
+              <a:t>4/28/2017</a:t>
             </a:fld>
             <a:endParaRPr lang="en-US"/>
           </a:p>
@@ -3810,9 +3711,7 @@
         </p:style>
         <p:txBody>
           <a:bodyPr anchor="ctr"/>
-          <a:lstStyle>
-            <a:extLst/>
-          </a:lstStyle>
+          <a:lstStyle/>
           <a:p>
             <a:pPr algn="ctr" eaLnBrk="1" latinLnBrk="0" hangingPunct="1"/>
             <a:endParaRPr kumimoji="0" lang="en-US"/>
@@ -4204,6 +4103,13 @@
   <p:clrMapOvr>
     <a:masterClrMapping/>
   </p:clrMapOvr>
+  <p:timing>
+    <p:tnLst>
+      <p:par>
+        <p:cTn id="1" dur="indefinite" restart="never" nodeType="tmRoot"/>
+      </p:par>
+    </p:tnLst>
+  </p:timing>
 </p:sld>
 </file>
 
@@ -4263,7 +4169,7 @@
         <p:spPr>
           <a:xfrm>
             <a:off x="1219200" y="1600200"/>
-            <a:ext cx="7696200" cy="646331"/>
+            <a:ext cx="7696200" cy="3139321"/>
           </a:xfrm>
           <a:prstGeom prst="rect">
             <a:avLst/>
@@ -4277,22 +4183,63 @@
           <a:lstStyle/>
           <a:p>
             <a:r>
+              <a:rPr lang="en-US" sz="3600" dirty="0" smtClean="0"/>
+              <a:t>Lab 1</a:t>
+            </a:r>
+          </a:p>
+          <a:p>
+            <a:r>
               <a:rPr lang="en-US" dirty="0" smtClean="0"/>
+              <a:t>-</a:t>
+            </a:r>
+            <a:r>
+              <a:rPr lang="en-US" sz="3600" dirty="0" smtClean="0"/>
               <a:t> </a:t>
             </a:r>
             <a:r>
+              <a:rPr lang="en-US" sz="2000" dirty="0" smtClean="0"/>
+              <a:t>Create security groups</a:t>
+            </a:r>
+            <a:endParaRPr lang="en-US" sz="3600" dirty="0" smtClean="0"/>
+          </a:p>
+          <a:p>
+            <a:endParaRPr lang="en-US" dirty="0" smtClean="0"/>
+          </a:p>
+          <a:p>
+            <a:endParaRPr lang="en-US" dirty="0"/>
+          </a:p>
+          <a:p>
+            <a:r>
+              <a:rPr lang="en-US" sz="3600" dirty="0"/>
+              <a:t>Lab </a:t>
+            </a:r>
+            <a:r>
+              <a:rPr lang="en-US" sz="3600" dirty="0" smtClean="0"/>
+              <a:t>2</a:t>
+            </a:r>
+            <a:endParaRPr lang="en-US" sz="3600" dirty="0"/>
+          </a:p>
+          <a:p>
+            <a:endParaRPr lang="en-US" dirty="0"/>
+          </a:p>
+          <a:p>
+            <a:r>
               <a:rPr lang="en-US" dirty="0" smtClean="0"/>
-              <a:t>- Deploy hello world website in AWS with high availability and reliability.</a:t>
-            </a:r>
-          </a:p>
-          <a:p>
+              <a:t>- Deploy </a:t>
+            </a:r>
             <a:r>
               <a:rPr lang="en-US" dirty="0" smtClean="0"/>
-              <a:t> - Includes </a:t>
-            </a:r>
+              <a:t>hello world website in AWS with high availability and reliability.</a:t>
+            </a:r>
+          </a:p>
+          <a:p>
             <a:r>
               <a:rPr lang="en-US" dirty="0" smtClean="0"/>
-              <a:t>ELB, EC2, ASG, LC, and SG.</a:t>
+              <a:t>- </a:t>
+            </a:r>
+            <a:r>
+              <a:rPr lang="en-US" dirty="0" smtClean="0"/>
+              <a:t>Includes ELB, EC2, ASG, LC, and SG.</a:t>
             </a:r>
             <a:endParaRPr lang="en-US" dirty="0"/>
           </a:p>
@@ -4303,6 +4250,13 @@
   <p:clrMapOvr>
     <a:masterClrMapping/>
   </p:clrMapOvr>
+  <p:timing>
+    <p:tnLst>
+      <p:par>
+        <p:cTn id="1" dur="indefinite" restart="never" nodeType="tmRoot"/>
+      </p:par>
+    </p:tnLst>
+  </p:timing>
 </p:sld>
 </file>
 
@@ -4450,6 +4404,13 @@
   <p:clrMapOvr>
     <a:masterClrMapping/>
   </p:clrMapOvr>
+  <p:timing>
+    <p:tnLst>
+      <p:par>
+        <p:cTn id="1" dur="indefinite" restart="never" nodeType="tmRoot"/>
+      </p:par>
+    </p:tnLst>
+  </p:timing>
 </p:sld>
 </file>
 
@@ -4601,6 +4562,103 @@
         </p:txBody>
       </p:sp>
     </p:spTree>
+  </p:cSld>
+  <p:clrMapOvr>
+    <a:masterClrMapping/>
+  </p:clrMapOvr>
+  <p:timing>
+    <p:tnLst>
+      <p:par>
+        <p:cTn id="1" dur="indefinite" restart="never" nodeType="tmRoot"/>
+      </p:par>
+    </p:tnLst>
+  </p:timing>
+</p:sld>
+</file>
+
+<file path=ppt/slides/slide5.xml><?xml version="1.0" encoding="utf-8"?>
+<p:sld xmlns:a="http://schemas.openxmlformats.org/drawingml/2006/main" xmlns:r="http://schemas.openxmlformats.org/officeDocument/2006/relationships" xmlns:p="http://schemas.openxmlformats.org/presentationml/2006/main">
+  <p:cSld>
+    <p:spTree>
+      <p:nvGrpSpPr>
+        <p:cNvPr id="1" name=""/>
+        <p:cNvGrpSpPr/>
+        <p:nvPr/>
+      </p:nvGrpSpPr>
+      <p:grpSpPr>
+        <a:xfrm>
+          <a:off x="0" y="0"/>
+          <a:ext cx="0" cy="0"/>
+          <a:chOff x="0" y="0"/>
+          <a:chExt cx="0" cy="0"/>
+        </a:xfrm>
+      </p:grpSpPr>
+      <p:sp>
+        <p:nvSpPr>
+          <p:cNvPr id="4" name="TextBox 3"/>
+          <p:cNvSpPr txBox="1"/>
+          <p:nvPr/>
+        </p:nvSpPr>
+        <p:spPr>
+          <a:xfrm>
+            <a:off x="1600200" y="457200"/>
+            <a:ext cx="3276600" cy="646331"/>
+          </a:xfrm>
+          <a:prstGeom prst="rect">
+            <a:avLst/>
+          </a:prstGeom>
+          <a:noFill/>
+        </p:spPr>
+        <p:txBody>
+          <a:bodyPr wrap="square" rtlCol="0">
+            <a:spAutoFit/>
+          </a:bodyPr>
+          <a:lstStyle/>
+          <a:p>
+            <a:r>
+              <a:rPr lang="en-US" sz="3600" dirty="0" smtClean="0"/>
+              <a:t> </a:t>
+            </a:r>
+            <a:endParaRPr lang="en-US" sz="3600" dirty="0"/>
+          </a:p>
+        </p:txBody>
+      </p:sp>
+      <p:sp>
+        <p:nvSpPr>
+          <p:cNvPr id="8" name="TextBox 7"/>
+          <p:cNvSpPr txBox="1"/>
+          <p:nvPr/>
+        </p:nvSpPr>
+        <p:spPr>
+          <a:xfrm>
+            <a:off x="3824967" y="2438400"/>
+            <a:ext cx="1031051" cy="1107996"/>
+          </a:xfrm>
+          <a:prstGeom prst="rect">
+            <a:avLst/>
+          </a:prstGeom>
+          <a:noFill/>
+        </p:spPr>
+        <p:txBody>
+          <a:bodyPr wrap="none" rtlCol="0">
+            <a:spAutoFit/>
+          </a:bodyPr>
+          <a:lstStyle/>
+          <a:p>
+            <a:r>
+              <a:rPr lang="en-US" sz="6600" dirty="0" smtClean="0"/>
+              <a:t>???</a:t>
+            </a:r>
+            <a:endParaRPr lang="en-US" sz="6600" dirty="0"/>
+          </a:p>
+        </p:txBody>
+      </p:sp>
+    </p:spTree>
+    <p:extLst>
+      <p:ext uri="{BB962C8B-B14F-4D97-AF65-F5344CB8AC3E}">
+        <p14:creationId xmlns:p14="http://schemas.microsoft.com/office/powerpoint/2010/main" val="1927139340"/>
+      </p:ext>
+    </p:extLst>
   </p:cSld>
   <p:clrMapOvr>
     <a:masterClrMapping/>

--- a/Session_3/Terraform_Handson_Lab.pptx
+++ b/Session_3/Terraform_Handson_Lab.pptx
@@ -8,8 +8,7 @@
     <p:sldId id="256" r:id="rId2"/>
     <p:sldId id="258" r:id="rId3"/>
     <p:sldId id="259" r:id="rId4"/>
-    <p:sldId id="260" r:id="rId5"/>
-    <p:sldId id="261" r:id="rId6"/>
+    <p:sldId id="261" r:id="rId5"/>
   </p:sldIdLst>
   <p:sldSz cx="9144000" cy="6858000" type="screen4x3"/>
   <p:notesSz cx="6858000" cy="9144000"/>
@@ -110,7 +109,7 @@
   </p:defaultTextStyle>
   <p:extLst>
     <p:ext uri="{EFAFB233-063F-42B5-8137-9DF3F51BA10A}">
-      <p15:sldGuideLst xmlns:p15="http://schemas.microsoft.com/office/powerpoint/2012/main">
+      <p15:sldGuideLst xmlns:p15="http://schemas.microsoft.com/office/powerpoint/2012/main" xmlns="">
         <p15:guide id="1" orient="horz" pos="2160">
           <p15:clr>
             <a:srgbClr val="A4A3A4"/>
@@ -4225,21 +4224,13 @@
           <a:p>
             <a:r>
               <a:rPr lang="en-US" dirty="0" smtClean="0"/>
-              <a:t>- Deploy </a:t>
-            </a:r>
+              <a:t>- Deploy hello world website in AWS with high availability and reliability.</a:t>
+            </a:r>
+          </a:p>
+          <a:p>
             <a:r>
               <a:rPr lang="en-US" dirty="0" smtClean="0"/>
-              <a:t>hello world website in AWS with high availability and reliability.</a:t>
-            </a:r>
-          </a:p>
-          <a:p>
-            <a:r>
-              <a:rPr lang="en-US" dirty="0" smtClean="0"/>
-              <a:t>- </a:t>
-            </a:r>
-            <a:r>
-              <a:rPr lang="en-US" dirty="0" smtClean="0"/>
-              <a:t>Includes ELB, EC2, ASG, LC, and SG.</a:t>
+              <a:t>- Includes ELB, EC2, ASG, LC, and SG.</a:t>
             </a:r>
             <a:endParaRPr lang="en-US" dirty="0"/>
           </a:p>
@@ -4415,168 +4406,6 @@
 </file>
 
 <file path=ppt/slides/slide4.xml><?xml version="1.0" encoding="utf-8"?>
-<p:sld xmlns:a="http://schemas.openxmlformats.org/drawingml/2006/main" xmlns:r="http://schemas.openxmlformats.org/officeDocument/2006/relationships" xmlns:p="http://schemas.openxmlformats.org/presentationml/2006/main">
-  <p:cSld>
-    <p:spTree>
-      <p:nvGrpSpPr>
-        <p:cNvPr id="1" name=""/>
-        <p:cNvGrpSpPr/>
-        <p:nvPr/>
-      </p:nvGrpSpPr>
-      <p:grpSpPr>
-        <a:xfrm>
-          <a:off x="0" y="0"/>
-          <a:ext cx="0" cy="0"/>
-          <a:chOff x="0" y="0"/>
-          <a:chExt cx="0" cy="0"/>
-        </a:xfrm>
-      </p:grpSpPr>
-      <p:sp>
-        <p:nvSpPr>
-          <p:cNvPr id="4" name="TextBox 3"/>
-          <p:cNvSpPr txBox="1"/>
-          <p:nvPr/>
-        </p:nvSpPr>
-        <p:spPr>
-          <a:xfrm>
-            <a:off x="1600200" y="457200"/>
-            <a:ext cx="3276600" cy="646331"/>
-          </a:xfrm>
-          <a:prstGeom prst="rect">
-            <a:avLst/>
-          </a:prstGeom>
-          <a:noFill/>
-        </p:spPr>
-        <p:txBody>
-          <a:bodyPr wrap="square" rtlCol="0">
-            <a:spAutoFit/>
-          </a:bodyPr>
-          <a:lstStyle/>
-          <a:p>
-            <a:r>
-              <a:rPr lang="en-US" sz="3600" dirty="0" smtClean="0"/>
-              <a:t> </a:t>
-            </a:r>
-            <a:endParaRPr lang="en-US" sz="3600" dirty="0"/>
-          </a:p>
-        </p:txBody>
-      </p:sp>
-      <p:sp>
-        <p:nvSpPr>
-          <p:cNvPr id="6" name="TextBox 5"/>
-          <p:cNvSpPr txBox="1"/>
-          <p:nvPr/>
-        </p:nvSpPr>
-        <p:spPr>
-          <a:xfrm>
-            <a:off x="1524000" y="609600"/>
-            <a:ext cx="3105337" cy="707886"/>
-          </a:xfrm>
-          <a:prstGeom prst="rect">
-            <a:avLst/>
-          </a:prstGeom>
-          <a:noFill/>
-        </p:spPr>
-        <p:txBody>
-          <a:bodyPr wrap="none" rtlCol="0">
-            <a:spAutoFit/>
-          </a:bodyPr>
-          <a:lstStyle/>
-          <a:p>
-            <a:r>
-              <a:rPr lang="en-US" sz="4000" dirty="0" smtClean="0"/>
-              <a:t>Code samples</a:t>
-            </a:r>
-            <a:endParaRPr lang="en-US" sz="2400" dirty="0"/>
-          </a:p>
-        </p:txBody>
-      </p:sp>
-      <p:sp>
-        <p:nvSpPr>
-          <p:cNvPr id="7" name="TextBox 6"/>
-          <p:cNvSpPr txBox="1"/>
-          <p:nvPr/>
-        </p:nvSpPr>
-        <p:spPr>
-          <a:xfrm>
-            <a:off x="1752600" y="1981200"/>
-            <a:ext cx="5566332" cy="461665"/>
-          </a:xfrm>
-          <a:prstGeom prst="rect">
-            <a:avLst/>
-          </a:prstGeom>
-          <a:noFill/>
-        </p:spPr>
-        <p:txBody>
-          <a:bodyPr wrap="none" rtlCol="0">
-            <a:spAutoFit/>
-          </a:bodyPr>
-          <a:lstStyle/>
-          <a:p>
-            <a:r>
-              <a:rPr lang="en-US" sz="2400" dirty="0" smtClean="0">
-                <a:hlinkClick r:id="rId2"/>
-              </a:rPr>
-              <a:t>https://github.com/dspatil/TrainingSessions</a:t>
-            </a:r>
-            <a:endParaRPr lang="en-US" sz="2400" dirty="0"/>
-          </a:p>
-        </p:txBody>
-      </p:sp>
-      <p:sp>
-        <p:nvSpPr>
-          <p:cNvPr id="8" name="TextBox 7"/>
-          <p:cNvSpPr txBox="1"/>
-          <p:nvPr/>
-        </p:nvSpPr>
-        <p:spPr>
-          <a:xfrm>
-            <a:off x="1752600" y="1600200"/>
-            <a:ext cx="5251181" cy="369332"/>
-          </a:xfrm>
-          <a:prstGeom prst="rect">
-            <a:avLst/>
-          </a:prstGeom>
-          <a:noFill/>
-        </p:spPr>
-        <p:txBody>
-          <a:bodyPr wrap="none" rtlCol="0">
-            <a:spAutoFit/>
-          </a:bodyPr>
-          <a:lstStyle/>
-          <a:p>
-            <a:r>
-              <a:rPr lang="en-US" dirty="0" smtClean="0"/>
-              <a:t>All code examples and </a:t>
-            </a:r>
-            <a:r>
-              <a:rPr lang="en-US" dirty="0" err="1" smtClean="0"/>
-              <a:t>ppts</a:t>
-            </a:r>
-            <a:r>
-              <a:rPr lang="en-US" dirty="0" smtClean="0"/>
-              <a:t> are available at below link:</a:t>
-            </a:r>
-            <a:endParaRPr lang="en-US" dirty="0"/>
-          </a:p>
-        </p:txBody>
-      </p:sp>
-    </p:spTree>
-  </p:cSld>
-  <p:clrMapOvr>
-    <a:masterClrMapping/>
-  </p:clrMapOvr>
-  <p:timing>
-    <p:tnLst>
-      <p:par>
-        <p:cTn id="1" dur="indefinite" restart="never" nodeType="tmRoot"/>
-      </p:par>
-    </p:tnLst>
-  </p:timing>
-</p:sld>
-</file>
-
-<file path=ppt/slides/slide5.xml><?xml version="1.0" encoding="utf-8"?>
 <p:sld xmlns:a="http://schemas.openxmlformats.org/drawingml/2006/main" xmlns:r="http://schemas.openxmlformats.org/officeDocument/2006/relationships" xmlns:p="http://schemas.openxmlformats.org/presentationml/2006/main">
   <p:cSld>
     <p:spTree>
